--- a/Problem komiwojażera + plecak.pptx
+++ b/Problem komiwojażera + plecak.pptx
@@ -265,7 +265,7 @@
           <a:p>
             <a:fld id="{9F4739B1-41D0-491F-92D3-944B6AF04EB4}" type="datetimeFigureOut">
               <a:rPr lang="pl-PL" smtClean="0"/>
-              <a:t>03.04.2023</a:t>
+              <a:t>07.05.2023</a:t>
             </a:fld>
             <a:endParaRPr lang="pl-PL"/>
           </a:p>
@@ -463,7 +463,7 @@
           <a:p>
             <a:fld id="{9F4739B1-41D0-491F-92D3-944B6AF04EB4}" type="datetimeFigureOut">
               <a:rPr lang="pl-PL" smtClean="0"/>
-              <a:t>03.04.2023</a:t>
+              <a:t>07.05.2023</a:t>
             </a:fld>
             <a:endParaRPr lang="pl-PL"/>
           </a:p>
@@ -671,7 +671,7 @@
           <a:p>
             <a:fld id="{9F4739B1-41D0-491F-92D3-944B6AF04EB4}" type="datetimeFigureOut">
               <a:rPr lang="pl-PL" smtClean="0"/>
-              <a:t>03.04.2023</a:t>
+              <a:t>07.05.2023</a:t>
             </a:fld>
             <a:endParaRPr lang="pl-PL"/>
           </a:p>
@@ -869,7 +869,7 @@
           <a:p>
             <a:fld id="{9F4739B1-41D0-491F-92D3-944B6AF04EB4}" type="datetimeFigureOut">
               <a:rPr lang="pl-PL" smtClean="0"/>
-              <a:t>03.04.2023</a:t>
+              <a:t>07.05.2023</a:t>
             </a:fld>
             <a:endParaRPr lang="pl-PL"/>
           </a:p>
@@ -1144,7 +1144,7 @@
           <a:p>
             <a:fld id="{9F4739B1-41D0-491F-92D3-944B6AF04EB4}" type="datetimeFigureOut">
               <a:rPr lang="pl-PL" smtClean="0"/>
-              <a:t>03.04.2023</a:t>
+              <a:t>07.05.2023</a:t>
             </a:fld>
             <a:endParaRPr lang="pl-PL"/>
           </a:p>
@@ -1409,7 +1409,7 @@
           <a:p>
             <a:fld id="{9F4739B1-41D0-491F-92D3-944B6AF04EB4}" type="datetimeFigureOut">
               <a:rPr lang="pl-PL" smtClean="0"/>
-              <a:t>03.04.2023</a:t>
+              <a:t>07.05.2023</a:t>
             </a:fld>
             <a:endParaRPr lang="pl-PL"/>
           </a:p>
@@ -1821,7 +1821,7 @@
           <a:p>
             <a:fld id="{9F4739B1-41D0-491F-92D3-944B6AF04EB4}" type="datetimeFigureOut">
               <a:rPr lang="pl-PL" smtClean="0"/>
-              <a:t>03.04.2023</a:t>
+              <a:t>07.05.2023</a:t>
             </a:fld>
             <a:endParaRPr lang="pl-PL"/>
           </a:p>
@@ -1962,7 +1962,7 @@
           <a:p>
             <a:fld id="{9F4739B1-41D0-491F-92D3-944B6AF04EB4}" type="datetimeFigureOut">
               <a:rPr lang="pl-PL" smtClean="0"/>
-              <a:t>03.04.2023</a:t>
+              <a:t>07.05.2023</a:t>
             </a:fld>
             <a:endParaRPr lang="pl-PL"/>
           </a:p>
@@ -2075,7 +2075,7 @@
           <a:p>
             <a:fld id="{9F4739B1-41D0-491F-92D3-944B6AF04EB4}" type="datetimeFigureOut">
               <a:rPr lang="pl-PL" smtClean="0"/>
-              <a:t>03.04.2023</a:t>
+              <a:t>07.05.2023</a:t>
             </a:fld>
             <a:endParaRPr lang="pl-PL"/>
           </a:p>
@@ -2386,7 +2386,7 @@
           <a:p>
             <a:fld id="{9F4739B1-41D0-491F-92D3-944B6AF04EB4}" type="datetimeFigureOut">
               <a:rPr lang="pl-PL" smtClean="0"/>
-              <a:t>03.04.2023</a:t>
+              <a:t>07.05.2023</a:t>
             </a:fld>
             <a:endParaRPr lang="pl-PL"/>
           </a:p>
@@ -2674,7 +2674,7 @@
           <a:p>
             <a:fld id="{9F4739B1-41D0-491F-92D3-944B6AF04EB4}" type="datetimeFigureOut">
               <a:rPr lang="pl-PL" smtClean="0"/>
-              <a:t>03.04.2023</a:t>
+              <a:t>07.05.2023</a:t>
             </a:fld>
             <a:endParaRPr lang="pl-PL"/>
           </a:p>
@@ -2915,7 +2915,7 @@
           <a:p>
             <a:fld id="{9F4739B1-41D0-491F-92D3-944B6AF04EB4}" type="datetimeFigureOut">
               <a:rPr lang="pl-PL" smtClean="0"/>
-              <a:t>03.04.2023</a:t>
+              <a:t>07.05.2023</a:t>
             </a:fld>
             <a:endParaRPr lang="pl-PL"/>
           </a:p>
@@ -4123,27 +4123,32 @@
                               </m:sSub>
                             </m:num>
                             <m:den>
-                              <m:r>
-                                <a:rPr lang="pl-PL" i="1" smtClean="0">
-                                  <a:latin typeface="Cambria Math" panose="02040503050406030204" pitchFamily="18" charset="0"/>
-                                  <a:ea typeface="Cambria Math" panose="02040503050406030204" pitchFamily="18" charset="0"/>
-                                </a:rPr>
-                                <m:t>𝛼</m:t>
-                              </m:r>
-                              <m:r>
-                                <a:rPr lang="pl-PL" b="0" i="1" smtClean="0">
-                                  <a:latin typeface="Cambria Math" panose="02040503050406030204" pitchFamily="18" charset="0"/>
-                                  <a:ea typeface="Cambria Math" panose="02040503050406030204" pitchFamily="18" charset="0"/>
-                                </a:rPr>
-                                <m:t> ∗</m:t>
-                              </m:r>
-                              <m:r>
-                                <a:rPr lang="pl-PL" b="0" i="1" smtClean="0">
-                                  <a:latin typeface="Cambria Math" panose="02040503050406030204" pitchFamily="18" charset="0"/>
-                                  <a:ea typeface="Cambria Math" panose="02040503050406030204" pitchFamily="18" charset="0"/>
-                                </a:rPr>
-                                <m:t>𝑘</m:t>
-                              </m:r>
+                              <m:sSup>
+                                <m:sSupPr>
+                                  <m:ctrlPr>
+                                    <a:rPr lang="pl-PL" b="0" i="1" smtClean="0">
+                                      <a:latin typeface="Cambria Math" panose="02040503050406030204" pitchFamily="18" charset="0"/>
+                                    </a:rPr>
+                                  </m:ctrlPr>
+                                </m:sSupPr>
+                                <m:e>
+                                  <m:r>
+                                    <a:rPr lang="pl-PL" i="1">
+                                      <a:latin typeface="Cambria Math" panose="02040503050406030204" pitchFamily="18" charset="0"/>
+                                      <a:ea typeface="Cambria Math" panose="02040503050406030204" pitchFamily="18" charset="0"/>
+                                    </a:rPr>
+                                    <m:t>𝛼</m:t>
+                                  </m:r>
+                                </m:e>
+                                <m:sup>
+                                  <m:r>
+                                    <a:rPr lang="pl-PL" b="0" i="1" smtClean="0">
+                                      <a:latin typeface="Cambria Math" panose="02040503050406030204" pitchFamily="18" charset="0"/>
+                                    </a:rPr>
+                                    <m:t>𝑘</m:t>
+                                  </m:r>
+                                </m:sup>
+                              </m:sSup>
                             </m:den>
                           </m:f>
                         </m:e>
